--- a/slides/IoC Block 1 - Day 3 - Lesson 1 - Loops.pptx
+++ b/slides/IoC Block 1 - Day 3 - Lesson 1 - Loops.pptx
@@ -275,7 +275,7 @@
               <a:pPr>
                 <a:defRPr/>
               </a:pPr>
-              <a:t>23/06/2019</a:t>
+              <a:t>30/06/2019</a:t>
             </a:fld>
             <a:endParaRPr lang="en-GB" dirty="0"/>
           </a:p>
@@ -3225,7 +3225,7 @@
               <a:pPr>
                 <a:defRPr/>
               </a:pPr>
-              <a:t>23/06/2019</a:t>
+              <a:t>30/06/2019</a:t>
             </a:fld>
             <a:endParaRPr lang="en-GB" dirty="0"/>
           </a:p>
@@ -3690,7 +3690,7 @@
               <a:pPr>
                 <a:defRPr/>
               </a:pPr>
-              <a:t>23/06/2019</a:t>
+              <a:t>30/06/2019</a:t>
             </a:fld>
             <a:endParaRPr lang="en-GB" dirty="0"/>
           </a:p>
@@ -5523,8 +5523,8 @@
         </p:nvSpPr>
         <p:spPr bwMode="auto">
           <a:xfrm>
-            <a:off x="965200" y="2768031"/>
-            <a:ext cx="16438563" cy="7056784"/>
+            <a:off x="965200" y="2768030"/>
+            <a:ext cx="16438563" cy="7272807"/>
           </a:xfrm>
           <a:prstGeom prst="rect">
             <a:avLst/>
@@ -6078,7 +6078,7 @@
                 </a:solidFill>
                 <a:latin typeface="Consolas" panose="020B0609020204030204" pitchFamily="49" charset="0"/>
               </a:rPr>
-              <a:t>	print</a:t>
+              <a:t>print</a:t>
             </a:r>
             <a:r>
               <a:rPr lang="en-GB" sz="4400" b="0" dirty="0">
@@ -6138,7 +6138,7 @@
                 </a:solidFill>
                 <a:latin typeface="Consolas" panose="020B0609020204030204" pitchFamily="49" charset="0"/>
               </a:rPr>
-              <a:t>	print</a:t>
+              <a:t>print</a:t>
             </a:r>
             <a:r>
               <a:rPr lang="en-GB" sz="4400" b="0" dirty="0">
@@ -6198,7 +6198,7 @@
                 </a:solidFill>
                 <a:latin typeface="Consolas" panose="020B0609020204030204" pitchFamily="49" charset="0"/>
               </a:rPr>
-              <a:t>	print</a:t>
+              <a:t>print</a:t>
             </a:r>
             <a:r>
               <a:rPr lang="en-GB" sz="4400" b="0" dirty="0">
